--- a/응용애플리케이션구축/API란 무엇인가.pptx
+++ b/응용애플리케이션구축/API란 무엇인가.pptx
@@ -10,11 +10,11 @@
   <p:sldIdLst>
     <p:sldId id="256" r:id="rId2"/>
     <p:sldId id="257" r:id="rId3"/>
-    <p:sldId id="258" r:id="rId4"/>
-    <p:sldId id="260" r:id="rId5"/>
-    <p:sldId id="261" r:id="rId6"/>
-    <p:sldId id="263" r:id="rId7"/>
-    <p:sldId id="264" r:id="rId8"/>
+    <p:sldId id="272" r:id="rId4"/>
+    <p:sldId id="273" r:id="rId5"/>
+    <p:sldId id="258" r:id="rId6"/>
+    <p:sldId id="260" r:id="rId7"/>
+    <p:sldId id="261" r:id="rId8"/>
     <p:sldId id="262" r:id="rId9"/>
     <p:sldId id="265" r:id="rId10"/>
     <p:sldId id="267" r:id="rId11"/>
@@ -121,6 +121,14 @@
       </a:defRPr>
     </a:lvl9pPr>
   </p:defaultTextStyle>
+  <p:extLst>
+    <p:ext uri="{EFAFB233-063F-42B5-8137-9DF3F51BA10A}">
+      <p15:sldGuideLst xmlns:p15="http://schemas.microsoft.com/office/powerpoint/2012/main"/>
+    </p:ext>
+    <p:ext uri="{2D200454-40CA-4A62-9FC3-DE9A4176ACB9}">
+      <p15:notesGuideLst xmlns:p15="http://schemas.microsoft.com/office/powerpoint/2012/main"/>
+    </p:ext>
+  </p:extLst>
 </p:presentation>
 </file>
 
@@ -206,7 +214,7 @@
           <a:p>
             <a:fld id="{CBA0B66E-D965-48EF-8629-7188D470FFF9}" type="datetimeFigureOut">
               <a:rPr lang="ko-KR" altLang="en-US" smtClean="0"/>
-              <a:t>2022-08-01</a:t>
+              <a:t>2023-05-03</a:t>
             </a:fld>
             <a:endParaRPr lang="ko-KR" altLang="en-US"/>
           </a:p>
@@ -1038,6 +1046,50 @@
           <a:bodyPr/>
           <a:lstStyle/>
           <a:p>
+            <a:r>
+              <a:rPr lang="ko-KR" altLang="en-US" dirty="0" smtClean="0"/>
+              <a:t>한국말</a:t>
+            </a:r>
+            <a:r>
+              <a:rPr lang="en-US" altLang="ko-KR" dirty="0" smtClean="0"/>
+              <a:t>+</a:t>
+            </a:r>
+            <a:r>
+              <a:rPr lang="ko-KR" altLang="en-US" dirty="0" smtClean="0"/>
+              <a:t>존댓말</a:t>
+            </a:r>
+            <a:endParaRPr lang="en-US" altLang="ko-KR" dirty="0" smtClean="0"/>
+          </a:p>
+          <a:p>
+            <a:endParaRPr lang="en-US" altLang="ko-KR" dirty="0" smtClean="0"/>
+          </a:p>
+          <a:p>
+            <a:r>
+              <a:rPr lang="ko-KR" altLang="en-US" dirty="0" smtClean="0"/>
+              <a:t>두레이</a:t>
+            </a:r>
+            <a:r>
+              <a:rPr lang="en-US" altLang="ko-KR" dirty="0" smtClean="0"/>
+              <a:t>+</a:t>
+            </a:r>
+            <a:r>
+              <a:rPr lang="ko-KR" altLang="en-US" dirty="0" err="1" smtClean="0"/>
+              <a:t>휴가계</a:t>
+            </a:r>
+            <a:endParaRPr lang="en-US" altLang="ko-KR" dirty="0" smtClean="0"/>
+          </a:p>
+          <a:p>
+            <a:endParaRPr lang="en-US" altLang="ko-KR" dirty="0" smtClean="0"/>
+          </a:p>
+          <a:p>
+            <a:r>
+              <a:rPr lang="ko-KR" altLang="en-US" dirty="0" err="1" smtClean="0"/>
+              <a:t>전화기모양</a:t>
+            </a:r>
+            <a:r>
+              <a:rPr lang="ko-KR" altLang="en-US" dirty="0" smtClean="0"/>
+              <a:t> 아이콘</a:t>
+            </a:r>
             <a:endParaRPr lang="ko-KR" altLang="en-US" dirty="0"/>
           </a:p>
         </p:txBody>
@@ -1059,7 +1111,7 @@
           <a:p>
             <a:fld id="{464D43BB-6B21-44EB-8621-2E69C0132FC2}" type="slidenum">
               <a:rPr lang="ko-KR" altLang="en-US" smtClean="0"/>
-              <a:t>5</a:t>
+              <a:t>3</a:t>
             </a:fld>
             <a:endParaRPr lang="ko-KR" altLang="en-US"/>
           </a:p>
@@ -1068,7 +1120,7 @@
     </p:spTree>
     <p:extLst>
       <p:ext uri="{BB962C8B-B14F-4D97-AF65-F5344CB8AC3E}">
-        <p14:creationId xmlns:p14="http://schemas.microsoft.com/office/powerpoint/2010/main" val="3793403181"/>
+        <p14:creationId xmlns:p14="http://schemas.microsoft.com/office/powerpoint/2010/main" val="2382803832"/>
       </p:ext>
     </p:extLst>
   </p:cSld>
@@ -1122,50 +1174,6 @@
           <a:bodyPr/>
           <a:lstStyle/>
           <a:p>
-            <a:r>
-              <a:rPr lang="ko-KR" altLang="en-US" dirty="0" smtClean="0"/>
-              <a:t>한국말</a:t>
-            </a:r>
-            <a:r>
-              <a:rPr lang="en-US" altLang="ko-KR" dirty="0" smtClean="0"/>
-              <a:t>+</a:t>
-            </a:r>
-            <a:r>
-              <a:rPr lang="ko-KR" altLang="en-US" dirty="0" smtClean="0"/>
-              <a:t>존댓말</a:t>
-            </a:r>
-            <a:endParaRPr lang="en-US" altLang="ko-KR" dirty="0" smtClean="0"/>
-          </a:p>
-          <a:p>
-            <a:endParaRPr lang="en-US" altLang="ko-KR" dirty="0" smtClean="0"/>
-          </a:p>
-          <a:p>
-            <a:r>
-              <a:rPr lang="ko-KR" altLang="en-US" dirty="0" smtClean="0"/>
-              <a:t>두레이</a:t>
-            </a:r>
-            <a:r>
-              <a:rPr lang="en-US" altLang="ko-KR" dirty="0" smtClean="0"/>
-              <a:t>+</a:t>
-            </a:r>
-            <a:r>
-              <a:rPr lang="ko-KR" altLang="en-US" dirty="0" err="1" smtClean="0"/>
-              <a:t>휴가계</a:t>
-            </a:r>
-            <a:endParaRPr lang="en-US" altLang="ko-KR" dirty="0" smtClean="0"/>
-          </a:p>
-          <a:p>
-            <a:endParaRPr lang="en-US" altLang="ko-KR" dirty="0" smtClean="0"/>
-          </a:p>
-          <a:p>
-            <a:r>
-              <a:rPr lang="ko-KR" altLang="en-US" dirty="0" err="1" smtClean="0"/>
-              <a:t>전화기모양</a:t>
-            </a:r>
-            <a:r>
-              <a:rPr lang="ko-KR" altLang="en-US" dirty="0" smtClean="0"/>
-              <a:t> 아이콘</a:t>
-            </a:r>
             <a:endParaRPr lang="ko-KR" altLang="en-US" dirty="0"/>
           </a:p>
         </p:txBody>
@@ -1187,7 +1195,7 @@
           <a:p>
             <a:fld id="{464D43BB-6B21-44EB-8621-2E69C0132FC2}" type="slidenum">
               <a:rPr lang="ko-KR" altLang="en-US" smtClean="0"/>
-              <a:t>6</a:t>
+              <a:t>4</a:t>
             </a:fld>
             <a:endParaRPr lang="ko-KR" altLang="en-US"/>
           </a:p>
@@ -1196,7 +1204,7 @@
     </p:spTree>
     <p:extLst>
       <p:ext uri="{BB962C8B-B14F-4D97-AF65-F5344CB8AC3E}">
-        <p14:creationId xmlns:p14="http://schemas.microsoft.com/office/powerpoint/2010/main" val="2015287171"/>
+        <p14:creationId xmlns:p14="http://schemas.microsoft.com/office/powerpoint/2010/main" val="4286021136"/>
       </p:ext>
     </p:extLst>
   </p:cSld>
@@ -1280,7 +1288,7 @@
     </p:spTree>
     <p:extLst>
       <p:ext uri="{BB962C8B-B14F-4D97-AF65-F5344CB8AC3E}">
-        <p14:creationId xmlns:p14="http://schemas.microsoft.com/office/powerpoint/2010/main" val="1937590428"/>
+        <p14:creationId xmlns:p14="http://schemas.microsoft.com/office/powerpoint/2010/main" val="3793403181"/>
       </p:ext>
     </p:extLst>
   </p:cSld>
@@ -1957,7 +1965,7 @@
           <a:p>
             <a:fld id="{C706A26F-217E-4DF6-99C5-83B095EC81D9}" type="datetime1">
               <a:rPr lang="en-US" altLang="ko-KR" smtClean="0"/>
-              <a:t>8/1/2022</a:t>
+              <a:t>5/3/2023</a:t>
             </a:fld>
             <a:endParaRPr lang="en-US" dirty="0"/>
           </a:p>
@@ -2277,7 +2285,7 @@
           <a:p>
             <a:fld id="{8FA3EA20-EB48-40E2-A1B4-B45B546E4BA7}" type="datetime1">
               <a:rPr lang="en-US" altLang="ko-KR" smtClean="0"/>
-              <a:t>8/1/2022</a:t>
+              <a:t>5/3/2023</a:t>
             </a:fld>
             <a:endParaRPr lang="en-US" dirty="0"/>
           </a:p>
@@ -2521,7 +2529,7 @@
           <a:p>
             <a:fld id="{6F328CEB-C91E-4985-8B82-B17FAE7C50CC}" type="datetime1">
               <a:rPr lang="en-US" altLang="ko-KR" smtClean="0"/>
-              <a:t>8/1/2022</a:t>
+              <a:t>5/3/2023</a:t>
             </a:fld>
             <a:endParaRPr lang="en-US" dirty="0"/>
           </a:p>
@@ -2856,7 +2864,7 @@
           <a:p>
             <a:fld id="{8AF189C5-E3F6-42A8-926A-D77DCFE7902F}" type="datetime1">
               <a:rPr lang="en-US" altLang="ko-KR" smtClean="0"/>
-              <a:t>8/1/2022</a:t>
+              <a:t>5/3/2023</a:t>
             </a:fld>
             <a:endParaRPr lang="en-US" dirty="0"/>
           </a:p>
@@ -3199,7 +3207,7 @@
           <a:p>
             <a:fld id="{40D31922-BFCB-4763-8BAE-2BA99E96788B}" type="datetime1">
               <a:rPr lang="en-US" altLang="ko-KR" smtClean="0"/>
-              <a:t>8/1/2022</a:t>
+              <a:t>5/3/2023</a:t>
             </a:fld>
             <a:endParaRPr lang="en-US" dirty="0"/>
           </a:p>
@@ -3569,7 +3577,7 @@
           <a:p>
             <a:fld id="{85073E73-25A0-4610-9479-187BAACA6A40}" type="datetime1">
               <a:rPr lang="en-US" altLang="ko-KR" smtClean="0"/>
-              <a:t>8/1/2022</a:t>
+              <a:t>5/3/2023</a:t>
             </a:fld>
             <a:endParaRPr lang="en-US" dirty="0"/>
           </a:p>
@@ -4035,7 +4043,7 @@
           <a:p>
             <a:fld id="{01231155-6581-44E3-8340-F0D1C0A192EF}" type="datetime1">
               <a:rPr lang="en-US" altLang="ko-KR" smtClean="0"/>
-              <a:t>8/1/2022</a:t>
+              <a:t>5/3/2023</a:t>
             </a:fld>
             <a:endParaRPr lang="en-US" dirty="0"/>
           </a:p>
@@ -4236,7 +4244,7 @@
           <a:p>
             <a:fld id="{4C30DD3D-7865-4DA1-B0A3-DD0974AD3C13}" type="datetime1">
               <a:rPr lang="en-US" altLang="ko-KR" smtClean="0"/>
-              <a:t>8/1/2022</a:t>
+              <a:t>5/3/2023</a:t>
             </a:fld>
             <a:endParaRPr lang="en-US" dirty="0"/>
           </a:p>
@@ -4443,7 +4451,7 @@
           <a:p>
             <a:fld id="{364CE2CF-68DD-4FFA-97DA-FDFDCF064A4C}" type="datetime1">
               <a:rPr lang="en-US" altLang="ko-KR" smtClean="0"/>
-              <a:t>8/1/2022</a:t>
+              <a:t>5/3/2023</a:t>
             </a:fld>
             <a:endParaRPr lang="en-US" dirty="0"/>
           </a:p>
@@ -4671,7 +4679,7 @@
           <a:p>
             <a:fld id="{E3A6D3F6-BFE1-4DA9-B8D2-71DC061E5C1B}" type="datetime1">
               <a:rPr lang="en-US" altLang="ko-KR" smtClean="0"/>
-              <a:t>8/1/2022</a:t>
+              <a:t>5/3/2023</a:t>
             </a:fld>
             <a:endParaRPr lang="en-US" dirty="0"/>
           </a:p>
@@ -4919,7 +4927,7 @@
           <a:p>
             <a:fld id="{4D64E288-F8A9-4B91-B528-EFCB65E98362}" type="datetime1">
               <a:rPr lang="en-US" altLang="ko-KR" smtClean="0"/>
-              <a:t>8/1/2022</a:t>
+              <a:t>5/3/2023</a:t>
             </a:fld>
             <a:endParaRPr lang="en-US" dirty="0"/>
           </a:p>
@@ -5213,7 +5221,7 @@
           <a:p>
             <a:fld id="{B3D33871-24A2-4677-8DBD-6C7B0A13F6F6}" type="datetime1">
               <a:rPr lang="en-US" altLang="ko-KR" smtClean="0"/>
-              <a:t>8/1/2022</a:t>
+              <a:t>5/3/2023</a:t>
             </a:fld>
             <a:endParaRPr lang="en-US" dirty="0"/>
           </a:p>
@@ -5602,7 +5610,7 @@
           <a:p>
             <a:fld id="{EBEEC5BD-DF22-4CB3-8AD8-3196CEEAF23F}" type="datetime1">
               <a:rPr lang="en-US" altLang="ko-KR" smtClean="0"/>
-              <a:t>8/1/2022</a:t>
+              <a:t>5/3/2023</a:t>
             </a:fld>
             <a:endParaRPr lang="en-US" dirty="0"/>
           </a:p>
@@ -5747,7 +5755,7 @@
           <a:p>
             <a:fld id="{351AB0CF-ACCA-4E21-8ADE-2DA7469A9D8F}" type="datetime1">
               <a:rPr lang="en-US" altLang="ko-KR" smtClean="0"/>
-              <a:t>8/1/2022</a:t>
+              <a:t>5/3/2023</a:t>
             </a:fld>
             <a:endParaRPr lang="en-US" dirty="0"/>
           </a:p>
@@ -5869,7 +5877,7 @@
           <a:p>
             <a:fld id="{B991BD5D-9EE5-43BE-996D-FB7CB363BDCA}" type="datetime1">
               <a:rPr lang="en-US" altLang="ko-KR" smtClean="0"/>
-              <a:t>8/1/2022</a:t>
+              <a:t>5/3/2023</a:t>
             </a:fld>
             <a:endParaRPr lang="en-US" dirty="0"/>
           </a:p>
@@ -6120,7 +6128,7 @@
           <a:p>
             <a:fld id="{1AAD8B73-2319-4B0E-905E-54A2A62873ED}" type="datetime1">
               <a:rPr lang="en-US" altLang="ko-KR" smtClean="0"/>
-              <a:t>8/1/2022</a:t>
+              <a:t>5/3/2023</a:t>
             </a:fld>
             <a:endParaRPr lang="en-US" dirty="0"/>
           </a:p>
@@ -6431,7 +6439,7 @@
           <a:p>
             <a:fld id="{D7CAABEF-5347-4204-BFB9-9C8600CD9A2C}" type="datetime1">
               <a:rPr lang="en-US" altLang="ko-KR" smtClean="0"/>
-              <a:t>8/1/2022</a:t>
+              <a:t>5/3/2023</a:t>
             </a:fld>
             <a:endParaRPr lang="en-US" dirty="0"/>
           </a:p>
@@ -6778,7 +6786,7 @@
           <a:p>
             <a:fld id="{B742D771-D7D7-4697-8C83-A3D96E0FF88B}" type="datetime1">
               <a:rPr lang="en-US" altLang="ko-KR" smtClean="0"/>
-              <a:t>8/1/2022</a:t>
+              <a:t>5/3/2023</a:t>
             </a:fld>
             <a:endParaRPr lang="en-US" dirty="0"/>
           </a:p>
@@ -8262,7 +8270,22 @@
             </a:r>
             <a:r>
               <a:rPr lang="ko-KR" altLang="en-US" sz="1800" dirty="0" smtClean="0"/>
-              <a:t> 활용하는 데이터나 라이브러리이며</a:t>
+              <a:t> 활용하는 데이터나 라이브러리를 활용하기 위한 규칙</a:t>
+            </a:r>
+            <a:endParaRPr lang="en-US" altLang="ko-KR" sz="1800" dirty="0" smtClean="0"/>
+          </a:p>
+          <a:p>
+            <a:r>
+              <a:rPr lang="ko-KR" altLang="en-US" sz="1800" dirty="0" smtClean="0"/>
+              <a:t>인터페이스 </a:t>
+            </a:r>
+            <a:r>
+              <a:rPr lang="en-US" altLang="ko-KR" sz="1800" dirty="0" smtClean="0"/>
+              <a:t>: </a:t>
+            </a:r>
+            <a:r>
+              <a:rPr lang="ko-KR" altLang="en-US" sz="1800" dirty="0" smtClean="0"/>
+              <a:t>정보를 주고 받기 위한 규칙</a:t>
             </a:r>
             <a:r>
               <a:rPr lang="en-US" altLang="ko-KR" sz="1800" dirty="0" smtClean="0"/>
@@ -8270,14 +8293,22 @@
             </a:r>
             <a:r>
               <a:rPr lang="ko-KR" altLang="en-US" sz="1800" dirty="0" smtClean="0"/>
-              <a:t>주로 데이터로써 의미가 통하고 있음</a:t>
+              <a:t>규약을 의미</a:t>
             </a:r>
             <a:endParaRPr lang="en-US" altLang="ko-KR" sz="1800" dirty="0" smtClean="0"/>
           </a:p>
           <a:p>
+            <a:pPr lvl="1"/>
+            <a:r>
+              <a:rPr lang="ko-KR" altLang="en-US" sz="1400" dirty="0" smtClean="0"/>
+              <a:t>특정 키를 눌렀을 때 정해진 동작을 하는 것이 모두 인터페이스에 속함</a:t>
+            </a:r>
+            <a:endParaRPr lang="en-US" altLang="ko-KR" sz="1400" dirty="0" smtClean="0"/>
+          </a:p>
+          <a:p>
             <a:r>
               <a:rPr lang="ko-KR" altLang="en-US" sz="1800" dirty="0" smtClean="0"/>
-              <a:t>인터페이스 </a:t>
+              <a:t>프로그래밍에서의 인터페이스 </a:t>
             </a:r>
             <a:r>
               <a:rPr lang="en-US" altLang="ko-KR" sz="1800" dirty="0" smtClean="0"/>
@@ -8285,42 +8316,7 @@
             </a:r>
             <a:r>
               <a:rPr lang="ko-KR" altLang="en-US" sz="1800" dirty="0" smtClean="0"/>
-              <a:t>정보를 주고 받기 위한 규칙</a:t>
-            </a:r>
-            <a:r>
-              <a:rPr lang="en-US" altLang="ko-KR" sz="1800" dirty="0" smtClean="0"/>
-              <a:t>, </a:t>
-            </a:r>
-            <a:r>
-              <a:rPr lang="ko-KR" altLang="en-US" sz="1800" dirty="0" smtClean="0"/>
-              <a:t>규약을 의미</a:t>
-            </a:r>
-            <a:endParaRPr lang="en-US" altLang="ko-KR" sz="1800" dirty="0" smtClean="0"/>
-          </a:p>
-          <a:p>
-            <a:pPr lvl="1"/>
-            <a:r>
-              <a:rPr lang="ko-KR" altLang="en-US" sz="1400" dirty="0" smtClean="0"/>
-              <a:t>특정 키를 눌렀을 때 정해진 동작을 하는 것이 모두 인터페이스에 속함</a:t>
-            </a:r>
-            <a:endParaRPr lang="en-US" altLang="ko-KR" sz="1400" dirty="0" smtClean="0"/>
-          </a:p>
-          <a:p>
-            <a:r>
-              <a:rPr lang="ko-KR" altLang="en-US" sz="1800" dirty="0" smtClean="0"/>
-              <a:t>프로그래밍에서의 인터페이스 </a:t>
-            </a:r>
-            <a:r>
-              <a:rPr lang="en-US" altLang="ko-KR" sz="1800" dirty="0" smtClean="0"/>
-              <a:t>: </a:t>
-            </a:r>
-            <a:r>
-              <a:rPr lang="ko-KR" altLang="en-US" sz="1800" dirty="0" smtClean="0"/>
-              <a:t>특정 기능을 </a:t>
-            </a:r>
-            <a:r>
-              <a:rPr lang="ko-KR" altLang="en-US" sz="1800" smtClean="0"/>
-              <a:t>반드시 구현해야 하는 규칙</a:t>
+              <a:t>특정 기능을 반드시 구현해야 하는 규칙</a:t>
             </a:r>
             <a:endParaRPr lang="en-US" altLang="ko-KR" sz="1800" dirty="0" smtClean="0"/>
           </a:p>
@@ -8430,8 +8426,8 @@
         </p:nvSpPr>
         <p:spPr>
           <a:xfrm>
-            <a:off x="410433" y="1756051"/>
-            <a:ext cx="11299889" cy="3631763"/>
+            <a:off x="2347711" y="2611074"/>
+            <a:ext cx="7805342" cy="1862048"/>
           </a:xfrm>
           <a:prstGeom prst="rect">
             <a:avLst/>
@@ -8480,43 +8476,6 @@
                 <a:effectLst/>
               </a:rPr>
               <a:t>.</a:t>
-            </a:r>
-          </a:p>
-          <a:p>
-            <a:pPr algn="ctr"/>
-            <a:r>
-              <a:rPr lang="ko-KR" altLang="en-US" sz="11500" b="1" dirty="0" smtClean="0">
-                <a:ln w="22225">
-                  <a:solidFill>
-                    <a:schemeClr val="accent2"/>
-                  </a:solidFill>
-                  <a:prstDash val="solid"/>
-                </a:ln>
-                <a:solidFill>
-                  <a:schemeClr val="accent2">
-                    <a:lumMod val="40000"/>
-                    <a:lumOff val="60000"/>
-                  </a:schemeClr>
-                </a:solidFill>
-              </a:rPr>
-              <a:t>질문 있으십니까</a:t>
-            </a:r>
-            <a:r>
-              <a:rPr lang="en-US" altLang="ko-KR" sz="11500" b="1" dirty="0" smtClean="0">
-                <a:ln w="22225">
-                  <a:solidFill>
-                    <a:schemeClr val="accent2"/>
-                  </a:solidFill>
-                  <a:prstDash val="solid"/>
-                </a:ln>
-                <a:solidFill>
-                  <a:schemeClr val="accent2">
-                    <a:lumMod val="40000"/>
-                    <a:lumOff val="60000"/>
-                  </a:schemeClr>
-                </a:solidFill>
-              </a:rPr>
-              <a:t>?</a:t>
             </a:r>
             <a:endParaRPr lang="en-US" altLang="ko-KR" sz="11500" b="1" cap="none" spc="0" dirty="0">
               <a:ln w="22225">
@@ -8614,18 +8573,22 @@
           <a:lstStyle/>
           <a:p>
             <a:r>
+              <a:rPr lang="ko-KR" altLang="en-US" dirty="0"/>
+              <a:t>인터페이스</a:t>
+            </a:r>
+            <a:r>
+              <a:rPr lang="en-US" altLang="ko-KR" dirty="0"/>
+              <a:t>(Interface</a:t>
+            </a:r>
+            <a:r>
+              <a:rPr lang="en-US" altLang="ko-KR" dirty="0" smtClean="0"/>
+              <a:t>)</a:t>
+            </a:r>
+          </a:p>
+          <a:p>
+            <a:r>
               <a:rPr lang="en-US" altLang="ko-KR" dirty="0" smtClean="0"/>
               <a:t>API(Application Programming Interface)</a:t>
-            </a:r>
-          </a:p>
-          <a:p>
-            <a:r>
-              <a:rPr lang="ko-KR" altLang="en-US" dirty="0" smtClean="0"/>
-              <a:t>인터페이스</a:t>
-            </a:r>
-            <a:r>
-              <a:rPr lang="en-US" altLang="ko-KR" dirty="0" smtClean="0"/>
-              <a:t>(Interface)</a:t>
             </a:r>
           </a:p>
           <a:p>
@@ -8749,742 +8712,6 @@
         </p:nvSpPr>
         <p:spPr/>
         <p:txBody>
-          <a:bodyPr>
-            <a:normAutofit fontScale="90000"/>
-          </a:bodyPr>
-          <a:lstStyle/>
-          <a:p>
-            <a:r>
-              <a:rPr lang="en-US" altLang="ko-KR" dirty="0"/>
-              <a:t>API(Application Programming </a:t>
-            </a:r>
-            <a:r>
-              <a:rPr lang="en-US" altLang="ko-KR" dirty="0" smtClean="0"/>
-              <a:t>Interface)[1/3]</a:t>
-            </a:r>
-            <a:endParaRPr lang="ko-KR" altLang="en-US" dirty="0"/>
-          </a:p>
-        </p:txBody>
-      </p:sp>
-      <p:sp>
-        <p:nvSpPr>
-          <p:cNvPr id="3" name="내용 개체 틀 2"/>
-          <p:cNvSpPr>
-            <a:spLocks noGrp="1"/>
-          </p:cNvSpPr>
-          <p:nvPr>
-            <p:ph idx="1"/>
-          </p:nvPr>
-        </p:nvSpPr>
-        <p:spPr/>
-        <p:txBody>
-          <a:bodyPr/>
-          <a:lstStyle/>
-          <a:p>
-            <a:r>
-              <a:rPr lang="ko-KR" altLang="en-US" dirty="0" smtClean="0"/>
-              <a:t>응용 프로그램을 만드는 과정에서 활용되는 </a:t>
-            </a:r>
-            <a:r>
-              <a:rPr lang="ko-KR" altLang="en-US" b="1" dirty="0" smtClean="0"/>
-              <a:t>데이터</a:t>
-            </a:r>
-            <a:r>
-              <a:rPr lang="ko-KR" altLang="en-US" dirty="0"/>
-              <a:t> </a:t>
-            </a:r>
-            <a:r>
-              <a:rPr lang="ko-KR" altLang="en-US" dirty="0" smtClean="0"/>
-              <a:t>혹은 </a:t>
-            </a:r>
-            <a:r>
-              <a:rPr lang="ko-KR" altLang="en-US" i="1" dirty="0" smtClean="0"/>
-              <a:t>라이브러리</a:t>
-            </a:r>
-            <a:endParaRPr lang="en-US" altLang="ko-KR" i="1" dirty="0" smtClean="0"/>
-          </a:p>
-          <a:p>
-            <a:pPr lvl="1"/>
-            <a:r>
-              <a:rPr lang="ko-KR" altLang="en-US" dirty="0" smtClean="0"/>
-              <a:t>응용 프로그램 </a:t>
-            </a:r>
-            <a:r>
-              <a:rPr lang="en-US" altLang="ko-KR" dirty="0" smtClean="0"/>
-              <a:t>: pc</a:t>
-            </a:r>
-            <a:r>
-              <a:rPr lang="ko-KR" altLang="en-US" dirty="0" smtClean="0"/>
-              <a:t>의 프로그램</a:t>
-            </a:r>
-            <a:r>
-              <a:rPr lang="en-US" altLang="ko-KR" dirty="0" smtClean="0"/>
-              <a:t>,  </a:t>
-            </a:r>
-            <a:r>
-              <a:rPr lang="ko-KR" altLang="en-US" dirty="0" smtClean="0"/>
-              <a:t>모바일의 앱 등을 의미</a:t>
-            </a:r>
-            <a:r>
-              <a:rPr lang="en-US" altLang="ko-KR" dirty="0" smtClean="0"/>
-              <a:t>(</a:t>
-            </a:r>
-            <a:r>
-              <a:rPr lang="ko-KR" altLang="en-US" dirty="0" smtClean="0"/>
-              <a:t>아래 예시 참고</a:t>
-            </a:r>
-            <a:r>
-              <a:rPr lang="en-US" altLang="ko-KR" dirty="0" smtClean="0"/>
-              <a:t>)</a:t>
-            </a:r>
-          </a:p>
-        </p:txBody>
-      </p:sp>
-      <p:pic>
-        <p:nvPicPr>
-          <p:cNvPr id="1026" name="Picture 2" descr="한컴 HWP, 스마트워크 '걸림돌' - 지디넷코리아"/>
-          <p:cNvPicPr>
-            <a:picLocks noChangeAspect="1" noChangeArrowheads="1"/>
-          </p:cNvPicPr>
-          <p:nvPr/>
-        </p:nvPicPr>
-        <p:blipFill>
-          <a:blip r:embed="rId2">
-            <a:extLst>
-              <a:ext uri="{28A0092B-C50C-407E-A947-70E740481C1C}">
-                <a14:useLocalDpi xmlns:a14="http://schemas.microsoft.com/office/drawing/2010/main" val="0"/>
-              </a:ext>
-            </a:extLst>
-          </a:blip>
-          <a:srcRect/>
-          <a:stretch>
-            <a:fillRect/>
-          </a:stretch>
-        </p:blipFill>
-        <p:spPr bwMode="auto">
-          <a:xfrm>
-            <a:off x="1825753" y="3537480"/>
-            <a:ext cx="1905000" cy="2295526"/>
-          </a:xfrm>
-          <a:prstGeom prst="rect">
-            <a:avLst/>
-          </a:prstGeom>
-          <a:noFill/>
-          <a:extLst>
-            <a:ext uri="{909E8E84-426E-40DD-AFC4-6F175D3DCCD1}">
-              <a14:hiddenFill xmlns:a14="http://schemas.microsoft.com/office/drawing/2010/main">
-                <a:solidFill>
-                  <a:srgbClr val="FFFFFF"/>
-                </a:solidFill>
-              </a14:hiddenFill>
-            </a:ext>
-          </a:extLst>
-        </p:spPr>
-      </p:pic>
-      <p:pic>
-        <p:nvPicPr>
-          <p:cNvPr id="1028" name="Picture 4" descr="카카오톡 로고(.ai) 일러스트 다운로드"/>
-          <p:cNvPicPr>
-            <a:picLocks noChangeAspect="1" noChangeArrowheads="1"/>
-          </p:cNvPicPr>
-          <p:nvPr/>
-        </p:nvPicPr>
-        <p:blipFill>
-          <a:blip r:embed="rId3">
-            <a:extLst>
-              <a:ext uri="{28A0092B-C50C-407E-A947-70E740481C1C}">
-                <a14:useLocalDpi xmlns:a14="http://schemas.microsoft.com/office/drawing/2010/main" val="0"/>
-              </a:ext>
-            </a:extLst>
-          </a:blip>
-          <a:srcRect/>
-          <a:stretch>
-            <a:fillRect/>
-          </a:stretch>
-        </p:blipFill>
-        <p:spPr bwMode="auto">
-          <a:xfrm>
-            <a:off x="4565680" y="3537480"/>
-            <a:ext cx="2295526" cy="2295526"/>
-          </a:xfrm>
-          <a:prstGeom prst="rect">
-            <a:avLst/>
-          </a:prstGeom>
-          <a:noFill/>
-          <a:extLst>
-            <a:ext uri="{909E8E84-426E-40DD-AFC4-6F175D3DCCD1}">
-              <a14:hiddenFill xmlns:a14="http://schemas.microsoft.com/office/drawing/2010/main">
-                <a:solidFill>
-                  <a:srgbClr val="FFFFFF"/>
-                </a:solidFill>
-              </a14:hiddenFill>
-            </a:ext>
-          </a:extLst>
-        </p:spPr>
-      </p:pic>
-      <p:pic>
-        <p:nvPicPr>
-          <p:cNvPr id="1030" name="Picture 6" descr="네이버 지도, 내비게이션 - Google Play 앱"/>
-          <p:cNvPicPr>
-            <a:picLocks noChangeAspect="1" noChangeArrowheads="1"/>
-          </p:cNvPicPr>
-          <p:nvPr/>
-        </p:nvPicPr>
-        <p:blipFill>
-          <a:blip r:embed="rId4">
-            <a:extLst>
-              <a:ext uri="{28A0092B-C50C-407E-A947-70E740481C1C}">
-                <a14:useLocalDpi xmlns:a14="http://schemas.microsoft.com/office/drawing/2010/main" val="0"/>
-              </a:ext>
-            </a:extLst>
-          </a:blip>
-          <a:srcRect/>
-          <a:stretch>
-            <a:fillRect/>
-          </a:stretch>
-        </p:blipFill>
-        <p:spPr bwMode="auto">
-          <a:xfrm>
-            <a:off x="7696133" y="3537480"/>
-            <a:ext cx="2338388" cy="2338388"/>
-          </a:xfrm>
-          <a:prstGeom prst="rect">
-            <a:avLst/>
-          </a:prstGeom>
-          <a:noFill/>
-          <a:extLst>
-            <a:ext uri="{909E8E84-426E-40DD-AFC4-6F175D3DCCD1}">
-              <a14:hiddenFill xmlns:a14="http://schemas.microsoft.com/office/drawing/2010/main">
-                <a:solidFill>
-                  <a:srgbClr val="FFFFFF"/>
-                </a:solidFill>
-              </a14:hiddenFill>
-            </a:ext>
-          </a:extLst>
-        </p:spPr>
-      </p:pic>
-      <p:sp>
-        <p:nvSpPr>
-          <p:cNvPr id="4" name="슬라이드 번호 개체 틀 3"/>
-          <p:cNvSpPr>
-            <a:spLocks noGrp="1"/>
-          </p:cNvSpPr>
-          <p:nvPr>
-            <p:ph type="sldNum" sz="quarter" idx="12"/>
-          </p:nvPr>
-        </p:nvSpPr>
-        <p:spPr/>
-        <p:txBody>
-          <a:bodyPr/>
-          <a:lstStyle/>
-          <a:p>
-            <a:r>
-              <a:rPr lang="en-US" dirty="0"/>
-              <a:t>2</a:t>
-            </a:r>
-            <a:r>
-              <a:rPr lang="en-US" dirty="0" smtClean="0"/>
-              <a:t>/13</a:t>
-            </a:r>
-            <a:endParaRPr lang="en-US" dirty="0"/>
-          </a:p>
-        </p:txBody>
-      </p:sp>
-    </p:spTree>
-    <p:extLst>
-      <p:ext uri="{BB962C8B-B14F-4D97-AF65-F5344CB8AC3E}">
-        <p14:creationId xmlns:p14="http://schemas.microsoft.com/office/powerpoint/2010/main" val="154799521"/>
-      </p:ext>
-    </p:extLst>
-  </p:cSld>
-  <p:clrMapOvr>
-    <a:masterClrMapping/>
-  </p:clrMapOvr>
-  <p:timing>
-    <p:tnLst>
-      <p:par>
-        <p:cTn id="1" dur="indefinite" restart="never" nodeType="tmRoot"/>
-      </p:par>
-    </p:tnLst>
-  </p:timing>
-</p:sld>
-</file>
-
-<file path=ppt/slides/slide4.xml><?xml version="1.0" encoding="utf-8"?>
-<p:sld xmlns:a="http://schemas.openxmlformats.org/drawingml/2006/main" xmlns:r="http://schemas.openxmlformats.org/officeDocument/2006/relationships" xmlns:p="http://schemas.openxmlformats.org/presentationml/2006/main">
-  <p:cSld>
-    <p:spTree>
-      <p:nvGrpSpPr>
-        <p:cNvPr id="1" name=""/>
-        <p:cNvGrpSpPr/>
-        <p:nvPr/>
-      </p:nvGrpSpPr>
-      <p:grpSpPr>
-        <a:xfrm>
-          <a:off x="0" y="0"/>
-          <a:ext cx="0" cy="0"/>
-          <a:chOff x="0" y="0"/>
-          <a:chExt cx="0" cy="0"/>
-        </a:xfrm>
-      </p:grpSpPr>
-      <p:sp>
-        <p:nvSpPr>
-          <p:cNvPr id="2" name="제목 1"/>
-          <p:cNvSpPr>
-            <a:spLocks noGrp="1"/>
-          </p:cNvSpPr>
-          <p:nvPr>
-            <p:ph type="title"/>
-          </p:nvPr>
-        </p:nvSpPr>
-        <p:spPr/>
-        <p:txBody>
-          <a:bodyPr>
-            <a:normAutofit fontScale="90000"/>
-          </a:bodyPr>
-          <a:lstStyle/>
-          <a:p>
-            <a:r>
-              <a:rPr lang="en-US" altLang="ko-KR" dirty="0"/>
-              <a:t>API(Application Programming </a:t>
-            </a:r>
-            <a:r>
-              <a:rPr lang="en-US" altLang="ko-KR" dirty="0" smtClean="0"/>
-              <a:t>Interface)[2/3]</a:t>
-            </a:r>
-            <a:endParaRPr lang="ko-KR" altLang="en-US" dirty="0"/>
-          </a:p>
-        </p:txBody>
-      </p:sp>
-      <p:sp>
-        <p:nvSpPr>
-          <p:cNvPr id="3" name="내용 개체 틀 2"/>
-          <p:cNvSpPr>
-            <a:spLocks noGrp="1"/>
-          </p:cNvSpPr>
-          <p:nvPr>
-            <p:ph idx="1"/>
-          </p:nvPr>
-        </p:nvSpPr>
-        <p:spPr/>
-        <p:txBody>
-          <a:bodyPr/>
-          <a:lstStyle/>
-          <a:p>
-            <a:r>
-              <a:rPr lang="ko-KR" altLang="en-US" dirty="0" smtClean="0"/>
-              <a:t>데이터 </a:t>
-            </a:r>
-            <a:r>
-              <a:rPr lang="en-US" altLang="ko-KR" dirty="0" smtClean="0"/>
-              <a:t>: API</a:t>
-            </a:r>
-            <a:r>
-              <a:rPr lang="ko-KR" altLang="en-US" dirty="0" smtClean="0"/>
-              <a:t>하면 </a:t>
-            </a:r>
-            <a:r>
-              <a:rPr lang="ko-KR" altLang="en-US" b="1" u="sng" dirty="0" smtClean="0"/>
-              <a:t>통상적으로 이 것을 의미</a:t>
-            </a:r>
-            <a:endParaRPr lang="en-US" altLang="ko-KR" b="1" u="sng" dirty="0" smtClean="0"/>
-          </a:p>
-          <a:p>
-            <a:pPr lvl="1"/>
-            <a:r>
-              <a:rPr lang="ko-KR" altLang="en-US" sz="1600" dirty="0" smtClean="0"/>
-              <a:t>프로그래밍을 하거나 데이터 분석을 위하여 사용할 수 있는 공개된 데이터</a:t>
-            </a:r>
-            <a:endParaRPr lang="en-US" altLang="ko-KR" sz="1600" dirty="0" smtClean="0"/>
-          </a:p>
-          <a:p>
-            <a:pPr marL="457200" lvl="1" indent="0">
-              <a:buNone/>
-            </a:pPr>
-            <a:r>
-              <a:rPr lang="en-US" altLang="ko-KR" sz="1600" dirty="0"/>
-              <a:t> </a:t>
-            </a:r>
-            <a:r>
-              <a:rPr lang="en-US" altLang="ko-KR" sz="1600" dirty="0" smtClean="0"/>
-              <a:t>   (</a:t>
-            </a:r>
-            <a:r>
-              <a:rPr lang="ko-KR" altLang="en-US" sz="1600" dirty="0" smtClean="0"/>
-              <a:t>단</a:t>
-            </a:r>
-            <a:r>
-              <a:rPr lang="en-US" altLang="ko-KR" sz="1600" dirty="0" smtClean="0"/>
-              <a:t>, </a:t>
-            </a:r>
-            <a:r>
-              <a:rPr lang="ko-KR" altLang="en-US" sz="1600" dirty="0" smtClean="0"/>
-              <a:t>상황에 따라서 일부 사람에게만 공개하거나 일부 데이터만 공개하는 경우도 있음</a:t>
-            </a:r>
-            <a:r>
-              <a:rPr lang="en-US" altLang="ko-KR" sz="1600" dirty="0" smtClean="0"/>
-              <a:t>)</a:t>
-            </a:r>
-            <a:endParaRPr lang="ko-KR" altLang="en-US" dirty="0"/>
-          </a:p>
-        </p:txBody>
-      </p:sp>
-      <p:pic>
-        <p:nvPicPr>
-          <p:cNvPr id="6" name="그림 5"/>
-          <p:cNvPicPr>
-            <a:picLocks noChangeAspect="1"/>
-          </p:cNvPicPr>
-          <p:nvPr/>
-        </p:nvPicPr>
-        <p:blipFill>
-          <a:blip r:embed="rId2"/>
-          <a:stretch>
-            <a:fillRect/>
-          </a:stretch>
-        </p:blipFill>
-        <p:spPr>
-          <a:xfrm>
-            <a:off x="1575395" y="3834534"/>
-            <a:ext cx="5151903" cy="1994679"/>
-          </a:xfrm>
-          <a:prstGeom prst="rect">
-            <a:avLst/>
-          </a:prstGeom>
-        </p:spPr>
-      </p:pic>
-      <p:pic>
-        <p:nvPicPr>
-          <p:cNvPr id="7" name="그림 6"/>
-          <p:cNvPicPr>
-            <a:picLocks noChangeAspect="1"/>
-          </p:cNvPicPr>
-          <p:nvPr/>
-        </p:nvPicPr>
-        <p:blipFill>
-          <a:blip r:embed="rId3"/>
-          <a:stretch>
-            <a:fillRect/>
-          </a:stretch>
-        </p:blipFill>
-        <p:spPr>
-          <a:xfrm>
-            <a:off x="6932647" y="3725065"/>
-            <a:ext cx="3311128" cy="2104148"/>
-          </a:xfrm>
-          <a:prstGeom prst="rect">
-            <a:avLst/>
-          </a:prstGeom>
-        </p:spPr>
-      </p:pic>
-      <p:sp>
-        <p:nvSpPr>
-          <p:cNvPr id="8" name="TextBox 7"/>
-          <p:cNvSpPr txBox="1"/>
-          <p:nvPr/>
-        </p:nvSpPr>
-        <p:spPr>
-          <a:xfrm>
-            <a:off x="3331644" y="5829213"/>
-            <a:ext cx="5256567" cy="338554"/>
-          </a:xfrm>
-          <a:prstGeom prst="rect">
-            <a:avLst/>
-          </a:prstGeom>
-          <a:noFill/>
-        </p:spPr>
-        <p:txBody>
-          <a:bodyPr wrap="none" rtlCol="0">
-            <a:spAutoFit/>
-          </a:bodyPr>
-          <a:lstStyle/>
-          <a:p>
-            <a:r>
-              <a:rPr lang="ko-KR" altLang="en-US" sz="1600" dirty="0" smtClean="0"/>
-              <a:t>기상청 </a:t>
-            </a:r>
-            <a:r>
-              <a:rPr lang="en-US" altLang="ko-KR" sz="1600" dirty="0" err="1" smtClean="0"/>
-              <a:t>api</a:t>
-            </a:r>
-            <a:r>
-              <a:rPr lang="en-US" altLang="ko-KR" sz="1600" dirty="0" smtClean="0"/>
-              <a:t> </a:t>
-            </a:r>
-            <a:r>
-              <a:rPr lang="ko-KR" altLang="en-US" sz="1600" dirty="0" smtClean="0"/>
-              <a:t>및 이를 활용한 옷 추천 프로그램</a:t>
-            </a:r>
-            <a:r>
-              <a:rPr lang="en-US" altLang="ko-KR" sz="1600" dirty="0" smtClean="0"/>
-              <a:t>(</a:t>
-            </a:r>
-            <a:r>
-              <a:rPr lang="ko-KR" altLang="en-US" sz="1600" dirty="0" smtClean="0"/>
-              <a:t>수료생 작품</a:t>
-            </a:r>
-            <a:r>
-              <a:rPr lang="en-US" altLang="ko-KR" sz="1600" dirty="0" smtClean="0"/>
-              <a:t>)</a:t>
-            </a:r>
-            <a:endParaRPr lang="ko-KR" altLang="en-US" sz="1600" dirty="0"/>
-          </a:p>
-        </p:txBody>
-      </p:sp>
-      <p:sp>
-        <p:nvSpPr>
-          <p:cNvPr id="9" name="슬라이드 번호 개체 틀 8"/>
-          <p:cNvSpPr>
-            <a:spLocks noGrp="1"/>
-          </p:cNvSpPr>
-          <p:nvPr>
-            <p:ph type="sldNum" sz="quarter" idx="12"/>
-          </p:nvPr>
-        </p:nvSpPr>
-        <p:spPr/>
-        <p:txBody>
-          <a:bodyPr/>
-          <a:lstStyle/>
-          <a:p>
-            <a:r>
-              <a:rPr lang="en-US" dirty="0"/>
-              <a:t>3</a:t>
-            </a:r>
-            <a:r>
-              <a:rPr lang="en-US" dirty="0" smtClean="0"/>
-              <a:t>/13</a:t>
-            </a:r>
-            <a:endParaRPr lang="en-US" dirty="0"/>
-          </a:p>
-        </p:txBody>
-      </p:sp>
-    </p:spTree>
-    <p:extLst>
-      <p:ext uri="{BB962C8B-B14F-4D97-AF65-F5344CB8AC3E}">
-        <p14:creationId xmlns:p14="http://schemas.microsoft.com/office/powerpoint/2010/main" val="2895101364"/>
-      </p:ext>
-    </p:extLst>
-  </p:cSld>
-  <p:clrMapOvr>
-    <a:masterClrMapping/>
-  </p:clrMapOvr>
-  <p:timing>
-    <p:tnLst>
-      <p:par>
-        <p:cTn id="1" dur="indefinite" restart="never" nodeType="tmRoot"/>
-      </p:par>
-    </p:tnLst>
-  </p:timing>
-</p:sld>
-</file>
-
-<file path=ppt/slides/slide5.xml><?xml version="1.0" encoding="utf-8"?>
-<p:sld xmlns:a="http://schemas.openxmlformats.org/drawingml/2006/main" xmlns:r="http://schemas.openxmlformats.org/officeDocument/2006/relationships" xmlns:p="http://schemas.openxmlformats.org/presentationml/2006/main">
-  <p:cSld>
-    <p:spTree>
-      <p:nvGrpSpPr>
-        <p:cNvPr id="1" name=""/>
-        <p:cNvGrpSpPr/>
-        <p:nvPr/>
-      </p:nvGrpSpPr>
-      <p:grpSpPr>
-        <a:xfrm>
-          <a:off x="0" y="0"/>
-          <a:ext cx="0" cy="0"/>
-          <a:chOff x="0" y="0"/>
-          <a:chExt cx="0" cy="0"/>
-        </a:xfrm>
-      </p:grpSpPr>
-      <p:sp>
-        <p:nvSpPr>
-          <p:cNvPr id="2" name="제목 1"/>
-          <p:cNvSpPr>
-            <a:spLocks noGrp="1"/>
-          </p:cNvSpPr>
-          <p:nvPr>
-            <p:ph type="title"/>
-          </p:nvPr>
-        </p:nvSpPr>
-        <p:spPr/>
-        <p:txBody>
-          <a:bodyPr>
-            <a:normAutofit fontScale="90000"/>
-          </a:bodyPr>
-          <a:lstStyle/>
-          <a:p>
-            <a:r>
-              <a:rPr lang="en-US" altLang="ko-KR" dirty="0"/>
-              <a:t>API(Application Programming </a:t>
-            </a:r>
-            <a:r>
-              <a:rPr lang="en-US" altLang="ko-KR" dirty="0" smtClean="0"/>
-              <a:t>Interface)[3/3]</a:t>
-            </a:r>
-            <a:endParaRPr lang="ko-KR" altLang="en-US" dirty="0"/>
-          </a:p>
-        </p:txBody>
-      </p:sp>
-      <p:sp>
-        <p:nvSpPr>
-          <p:cNvPr id="3" name="내용 개체 틀 2"/>
-          <p:cNvSpPr>
-            <a:spLocks noGrp="1"/>
-          </p:cNvSpPr>
-          <p:nvPr>
-            <p:ph idx="1"/>
-          </p:nvPr>
-        </p:nvSpPr>
-        <p:spPr/>
-        <p:txBody>
-          <a:bodyPr>
-            <a:normAutofit/>
-          </a:bodyPr>
-          <a:lstStyle/>
-          <a:p>
-            <a:pPr lvl="1"/>
-            <a:r>
-              <a:rPr lang="ko-KR" altLang="en-US" sz="2400" dirty="0" smtClean="0"/>
-              <a:t>라이브러리 </a:t>
-            </a:r>
-            <a:r>
-              <a:rPr lang="en-US" altLang="ko-KR" sz="2400" dirty="0" smtClean="0"/>
-              <a:t>: </a:t>
-            </a:r>
-            <a:r>
-              <a:rPr lang="ko-KR" altLang="en-US" sz="2400" dirty="0" smtClean="0"/>
-              <a:t>미리 만들어 둔 코드를 의미하며</a:t>
-            </a:r>
-            <a:r>
-              <a:rPr lang="en-US" altLang="ko-KR" sz="2400" dirty="0" smtClean="0"/>
-              <a:t>, API</a:t>
-            </a:r>
-            <a:r>
-              <a:rPr lang="ko-KR" altLang="en-US" sz="2400" dirty="0" smtClean="0"/>
-              <a:t>와 라이브러리라는 말을 </a:t>
-            </a:r>
-            <a:r>
-              <a:rPr lang="en-US" altLang="ko-KR" sz="2400" dirty="0"/>
-              <a:t> </a:t>
-            </a:r>
-            <a:r>
-              <a:rPr lang="ko-KR" altLang="en-US" sz="2400" dirty="0" smtClean="0"/>
-              <a:t>혼용해서 주로 사용 </a:t>
-            </a:r>
-            <a:r>
-              <a:rPr lang="en-US" altLang="ko-KR" sz="2400" dirty="0" smtClean="0"/>
-              <a:t> (</a:t>
-            </a:r>
-            <a:r>
-              <a:rPr lang="ko-KR" altLang="en-US" sz="2400" dirty="0" smtClean="0"/>
-              <a:t>대표 예시</a:t>
-            </a:r>
-            <a:r>
-              <a:rPr lang="en-US" altLang="ko-KR" sz="2400" dirty="0" smtClean="0"/>
-              <a:t>: Windows API)</a:t>
-            </a:r>
-          </a:p>
-        </p:txBody>
-      </p:sp>
-      <p:pic>
-        <p:nvPicPr>
-          <p:cNvPr id="4" name="그림 3"/>
-          <p:cNvPicPr>
-            <a:picLocks noChangeAspect="1"/>
-          </p:cNvPicPr>
-          <p:nvPr/>
-        </p:nvPicPr>
-        <p:blipFill>
-          <a:blip r:embed="rId3"/>
-          <a:stretch>
-            <a:fillRect/>
-          </a:stretch>
-        </p:blipFill>
-        <p:spPr>
-          <a:xfrm>
-            <a:off x="3021352" y="3361240"/>
-            <a:ext cx="5695136" cy="2785561"/>
-          </a:xfrm>
-          <a:prstGeom prst="rect">
-            <a:avLst/>
-          </a:prstGeom>
-        </p:spPr>
-      </p:pic>
-      <p:sp>
-        <p:nvSpPr>
-          <p:cNvPr id="5" name="슬라이드 번호 개체 틀 4"/>
-          <p:cNvSpPr>
-            <a:spLocks noGrp="1"/>
-          </p:cNvSpPr>
-          <p:nvPr>
-            <p:ph type="sldNum" sz="quarter" idx="12"/>
-          </p:nvPr>
-        </p:nvSpPr>
-        <p:spPr/>
-        <p:txBody>
-          <a:bodyPr/>
-          <a:lstStyle/>
-          <a:p>
-            <a:r>
-              <a:rPr lang="en-US" dirty="0"/>
-              <a:t>4</a:t>
-            </a:r>
-            <a:r>
-              <a:rPr lang="en-US" dirty="0" smtClean="0"/>
-              <a:t>/13</a:t>
-            </a:r>
-            <a:endParaRPr lang="en-US" dirty="0"/>
-          </a:p>
-        </p:txBody>
-      </p:sp>
-    </p:spTree>
-    <p:extLst>
-      <p:ext uri="{BB962C8B-B14F-4D97-AF65-F5344CB8AC3E}">
-        <p14:creationId xmlns:p14="http://schemas.microsoft.com/office/powerpoint/2010/main" val="2281200822"/>
-      </p:ext>
-    </p:extLst>
-  </p:cSld>
-  <p:clrMapOvr>
-    <a:masterClrMapping/>
-  </p:clrMapOvr>
-  <p:timing>
-    <p:tnLst>
-      <p:par>
-        <p:cTn id="1" dur="indefinite" restart="never" nodeType="tmRoot"/>
-      </p:par>
-    </p:tnLst>
-  </p:timing>
-</p:sld>
-</file>
-
-<file path=ppt/slides/slide6.xml><?xml version="1.0" encoding="utf-8"?>
-<p:sld xmlns:a="http://schemas.openxmlformats.org/drawingml/2006/main" xmlns:r="http://schemas.openxmlformats.org/officeDocument/2006/relationships" xmlns:p="http://schemas.openxmlformats.org/presentationml/2006/main">
-  <p:cSld>
-    <p:spTree>
-      <p:nvGrpSpPr>
-        <p:cNvPr id="1" name=""/>
-        <p:cNvGrpSpPr/>
-        <p:nvPr/>
-      </p:nvGrpSpPr>
-      <p:grpSpPr>
-        <a:xfrm>
-          <a:off x="0" y="0"/>
-          <a:ext cx="0" cy="0"/>
-          <a:chOff x="0" y="0"/>
-          <a:chExt cx="0" cy="0"/>
-        </a:xfrm>
-      </p:grpSpPr>
-      <p:sp>
-        <p:nvSpPr>
-          <p:cNvPr id="2" name="제목 1"/>
-          <p:cNvSpPr>
-            <a:spLocks noGrp="1"/>
-          </p:cNvSpPr>
-          <p:nvPr>
-            <p:ph type="title"/>
-          </p:nvPr>
-        </p:nvSpPr>
-        <p:spPr/>
-        <p:txBody>
           <a:bodyPr/>
           <a:lstStyle/>
           <a:p>
@@ -9837,7 +9064,7 @@
     </p:spTree>
     <p:extLst>
       <p:ext uri="{BB962C8B-B14F-4D97-AF65-F5344CB8AC3E}">
-        <p14:creationId xmlns:p14="http://schemas.microsoft.com/office/powerpoint/2010/main" val="174979768"/>
+        <p14:creationId xmlns:p14="http://schemas.microsoft.com/office/powerpoint/2010/main" val="449762788"/>
       </p:ext>
     </p:extLst>
   </p:cSld>
@@ -9854,7 +9081,7 @@
 </p:sld>
 </file>
 
-<file path=ppt/slides/slide7.xml><?xml version="1.0" encoding="utf-8"?>
+<file path=ppt/slides/slide4.xml><?xml version="1.0" encoding="utf-8"?>
 <p:sld xmlns:a="http://schemas.openxmlformats.org/drawingml/2006/main" xmlns:r="http://schemas.openxmlformats.org/officeDocument/2006/relationships" xmlns:p="http://schemas.openxmlformats.org/presentationml/2006/main">
   <p:cSld>
     <p:spTree>
@@ -10097,7 +9324,743 @@
     </p:spTree>
     <p:extLst>
       <p:ext uri="{BB962C8B-B14F-4D97-AF65-F5344CB8AC3E}">
-        <p14:creationId xmlns:p14="http://schemas.microsoft.com/office/powerpoint/2010/main" val="2509088171"/>
+        <p14:creationId xmlns:p14="http://schemas.microsoft.com/office/powerpoint/2010/main" val="4210452159"/>
+      </p:ext>
+    </p:extLst>
+  </p:cSld>
+  <p:clrMapOvr>
+    <a:masterClrMapping/>
+  </p:clrMapOvr>
+  <p:timing>
+    <p:tnLst>
+      <p:par>
+        <p:cTn id="1" dur="indefinite" restart="never" nodeType="tmRoot"/>
+      </p:par>
+    </p:tnLst>
+  </p:timing>
+</p:sld>
+</file>
+
+<file path=ppt/slides/slide5.xml><?xml version="1.0" encoding="utf-8"?>
+<p:sld xmlns:a="http://schemas.openxmlformats.org/drawingml/2006/main" xmlns:r="http://schemas.openxmlformats.org/officeDocument/2006/relationships" xmlns:p="http://schemas.openxmlformats.org/presentationml/2006/main">
+  <p:cSld>
+    <p:spTree>
+      <p:nvGrpSpPr>
+        <p:cNvPr id="1" name=""/>
+        <p:cNvGrpSpPr/>
+        <p:nvPr/>
+      </p:nvGrpSpPr>
+      <p:grpSpPr>
+        <a:xfrm>
+          <a:off x="0" y="0"/>
+          <a:ext cx="0" cy="0"/>
+          <a:chOff x="0" y="0"/>
+          <a:chExt cx="0" cy="0"/>
+        </a:xfrm>
+      </p:grpSpPr>
+      <p:sp>
+        <p:nvSpPr>
+          <p:cNvPr id="2" name="제목 1"/>
+          <p:cNvSpPr>
+            <a:spLocks noGrp="1"/>
+          </p:cNvSpPr>
+          <p:nvPr>
+            <p:ph type="title"/>
+          </p:nvPr>
+        </p:nvSpPr>
+        <p:spPr/>
+        <p:txBody>
+          <a:bodyPr>
+            <a:normAutofit fontScale="90000"/>
+          </a:bodyPr>
+          <a:lstStyle/>
+          <a:p>
+            <a:r>
+              <a:rPr lang="en-US" altLang="ko-KR" dirty="0"/>
+              <a:t>API(Application Programming </a:t>
+            </a:r>
+            <a:r>
+              <a:rPr lang="en-US" altLang="ko-KR" dirty="0" smtClean="0"/>
+              <a:t>Interface)[1/3]</a:t>
+            </a:r>
+            <a:endParaRPr lang="ko-KR" altLang="en-US" dirty="0"/>
+          </a:p>
+        </p:txBody>
+      </p:sp>
+      <p:sp>
+        <p:nvSpPr>
+          <p:cNvPr id="3" name="내용 개체 틀 2"/>
+          <p:cNvSpPr>
+            <a:spLocks noGrp="1"/>
+          </p:cNvSpPr>
+          <p:nvPr>
+            <p:ph idx="1"/>
+          </p:nvPr>
+        </p:nvSpPr>
+        <p:spPr/>
+        <p:txBody>
+          <a:bodyPr/>
+          <a:lstStyle/>
+          <a:p>
+            <a:r>
+              <a:rPr lang="ko-KR" altLang="en-US" i="1" dirty="0" smtClean="0"/>
+              <a:t>응용 프로그램</a:t>
+            </a:r>
+            <a:r>
+              <a:rPr lang="ko-KR" altLang="en-US" dirty="0" smtClean="0"/>
+              <a:t>을 만드는 과정에서 활용되는 </a:t>
+            </a:r>
+            <a:r>
+              <a:rPr lang="ko-KR" altLang="en-US" b="1" dirty="0" smtClean="0"/>
+              <a:t>인터페이스</a:t>
+            </a:r>
+            <a:endParaRPr lang="en-US" altLang="ko-KR" i="1" dirty="0" smtClean="0"/>
+          </a:p>
+          <a:p>
+            <a:pPr lvl="1"/>
+            <a:r>
+              <a:rPr lang="ko-KR" altLang="en-US" dirty="0" smtClean="0"/>
+              <a:t>응용 프로그램 </a:t>
+            </a:r>
+            <a:r>
+              <a:rPr lang="en-US" altLang="ko-KR" dirty="0" smtClean="0"/>
+              <a:t>: pc</a:t>
+            </a:r>
+            <a:r>
+              <a:rPr lang="ko-KR" altLang="en-US" dirty="0" smtClean="0"/>
+              <a:t>의 프로그램</a:t>
+            </a:r>
+            <a:r>
+              <a:rPr lang="en-US" altLang="ko-KR" dirty="0" smtClean="0"/>
+              <a:t>,  </a:t>
+            </a:r>
+            <a:r>
+              <a:rPr lang="ko-KR" altLang="en-US" dirty="0" smtClean="0"/>
+              <a:t>모바일의 앱 등을 의미</a:t>
+            </a:r>
+            <a:r>
+              <a:rPr lang="en-US" altLang="ko-KR" dirty="0" smtClean="0"/>
+              <a:t>(</a:t>
+            </a:r>
+            <a:r>
+              <a:rPr lang="ko-KR" altLang="en-US" dirty="0" smtClean="0"/>
+              <a:t>아래 예시 참고</a:t>
+            </a:r>
+            <a:r>
+              <a:rPr lang="en-US" altLang="ko-KR" dirty="0" smtClean="0"/>
+              <a:t>)</a:t>
+            </a:r>
+          </a:p>
+          <a:p>
+            <a:pPr lvl="1"/>
+            <a:r>
+              <a:rPr lang="ko-KR" altLang="en-US" dirty="0" smtClean="0"/>
+              <a:t>데이터 교환 혹은 라이브러리 활용에서 주로 활용됨</a:t>
+            </a:r>
+            <a:endParaRPr lang="en-US" altLang="ko-KR" dirty="0" smtClean="0"/>
+          </a:p>
+        </p:txBody>
+      </p:sp>
+      <p:pic>
+        <p:nvPicPr>
+          <p:cNvPr id="1026" name="Picture 2" descr="한컴 HWP, 스마트워크 '걸림돌' - 지디넷코리아"/>
+          <p:cNvPicPr>
+            <a:picLocks noChangeAspect="1" noChangeArrowheads="1"/>
+          </p:cNvPicPr>
+          <p:nvPr/>
+        </p:nvPicPr>
+        <p:blipFill>
+          <a:blip r:embed="rId2">
+            <a:extLst>
+              <a:ext uri="{28A0092B-C50C-407E-A947-70E740481C1C}">
+                <a14:useLocalDpi xmlns:a14="http://schemas.microsoft.com/office/drawing/2010/main" val="0"/>
+              </a:ext>
+            </a:extLst>
+          </a:blip>
+          <a:srcRect/>
+          <a:stretch>
+            <a:fillRect/>
+          </a:stretch>
+        </p:blipFill>
+        <p:spPr bwMode="auto">
+          <a:xfrm>
+            <a:off x="2063260" y="4089540"/>
+            <a:ext cx="1671701" cy="2014400"/>
+          </a:xfrm>
+          <a:prstGeom prst="rect">
+            <a:avLst/>
+          </a:prstGeom>
+          <a:noFill/>
+          <a:extLst>
+            <a:ext uri="{909E8E84-426E-40DD-AFC4-6F175D3DCCD1}">
+              <a14:hiddenFill xmlns:a14="http://schemas.microsoft.com/office/drawing/2010/main">
+                <a:solidFill>
+                  <a:srgbClr val="FFFFFF"/>
+                </a:solidFill>
+              </a14:hiddenFill>
+            </a:ext>
+          </a:extLst>
+        </p:spPr>
+      </p:pic>
+      <p:pic>
+        <p:nvPicPr>
+          <p:cNvPr id="1028" name="Picture 4" descr="카카오톡 로고(.ai) 일러스트 다운로드"/>
+          <p:cNvPicPr>
+            <a:picLocks noChangeAspect="1" noChangeArrowheads="1"/>
+          </p:cNvPicPr>
+          <p:nvPr/>
+        </p:nvPicPr>
+        <p:blipFill>
+          <a:blip r:embed="rId3">
+            <a:extLst>
+              <a:ext uri="{28A0092B-C50C-407E-A947-70E740481C1C}">
+                <a14:useLocalDpi xmlns:a14="http://schemas.microsoft.com/office/drawing/2010/main" val="0"/>
+              </a:ext>
+            </a:extLst>
+          </a:blip>
+          <a:srcRect/>
+          <a:stretch>
+            <a:fillRect/>
+          </a:stretch>
+        </p:blipFill>
+        <p:spPr bwMode="auto">
+          <a:xfrm>
+            <a:off x="4803187" y="4089540"/>
+            <a:ext cx="2014400" cy="2014400"/>
+          </a:xfrm>
+          <a:prstGeom prst="rect">
+            <a:avLst/>
+          </a:prstGeom>
+          <a:noFill/>
+          <a:extLst>
+            <a:ext uri="{909E8E84-426E-40DD-AFC4-6F175D3DCCD1}">
+              <a14:hiddenFill xmlns:a14="http://schemas.microsoft.com/office/drawing/2010/main">
+                <a:solidFill>
+                  <a:srgbClr val="FFFFFF"/>
+                </a:solidFill>
+              </a14:hiddenFill>
+            </a:ext>
+          </a:extLst>
+        </p:spPr>
+      </p:pic>
+      <p:pic>
+        <p:nvPicPr>
+          <p:cNvPr id="1030" name="Picture 6" descr="네이버 지도, 내비게이션 - Google Play 앱"/>
+          <p:cNvPicPr>
+            <a:picLocks noChangeAspect="1" noChangeArrowheads="1"/>
+          </p:cNvPicPr>
+          <p:nvPr/>
+        </p:nvPicPr>
+        <p:blipFill>
+          <a:blip r:embed="rId4">
+            <a:extLst>
+              <a:ext uri="{28A0092B-C50C-407E-A947-70E740481C1C}">
+                <a14:useLocalDpi xmlns:a14="http://schemas.microsoft.com/office/drawing/2010/main" val="0"/>
+              </a:ext>
+            </a:extLst>
+          </a:blip>
+          <a:srcRect/>
+          <a:stretch>
+            <a:fillRect/>
+          </a:stretch>
+        </p:blipFill>
+        <p:spPr bwMode="auto">
+          <a:xfrm>
+            <a:off x="7933640" y="4094788"/>
+            <a:ext cx="2052013" cy="2052013"/>
+          </a:xfrm>
+          <a:prstGeom prst="rect">
+            <a:avLst/>
+          </a:prstGeom>
+          <a:noFill/>
+          <a:extLst>
+            <a:ext uri="{909E8E84-426E-40DD-AFC4-6F175D3DCCD1}">
+              <a14:hiddenFill xmlns:a14="http://schemas.microsoft.com/office/drawing/2010/main">
+                <a:solidFill>
+                  <a:srgbClr val="FFFFFF"/>
+                </a:solidFill>
+              </a14:hiddenFill>
+            </a:ext>
+          </a:extLst>
+        </p:spPr>
+      </p:pic>
+      <p:sp>
+        <p:nvSpPr>
+          <p:cNvPr id="4" name="슬라이드 번호 개체 틀 3"/>
+          <p:cNvSpPr>
+            <a:spLocks noGrp="1"/>
+          </p:cNvSpPr>
+          <p:nvPr>
+            <p:ph type="sldNum" sz="quarter" idx="12"/>
+          </p:nvPr>
+        </p:nvSpPr>
+        <p:spPr/>
+        <p:txBody>
+          <a:bodyPr/>
+          <a:lstStyle/>
+          <a:p>
+            <a:r>
+              <a:rPr lang="en-US" dirty="0"/>
+              <a:t>2</a:t>
+            </a:r>
+            <a:r>
+              <a:rPr lang="en-US" dirty="0" smtClean="0"/>
+              <a:t>/13</a:t>
+            </a:r>
+            <a:endParaRPr lang="en-US" dirty="0"/>
+          </a:p>
+        </p:txBody>
+      </p:sp>
+    </p:spTree>
+    <p:extLst>
+      <p:ext uri="{BB962C8B-B14F-4D97-AF65-F5344CB8AC3E}">
+        <p14:creationId xmlns:p14="http://schemas.microsoft.com/office/powerpoint/2010/main" val="154799521"/>
+      </p:ext>
+    </p:extLst>
+  </p:cSld>
+  <p:clrMapOvr>
+    <a:masterClrMapping/>
+  </p:clrMapOvr>
+  <p:timing>
+    <p:tnLst>
+      <p:par>
+        <p:cTn id="1" dur="indefinite" restart="never" nodeType="tmRoot"/>
+      </p:par>
+    </p:tnLst>
+  </p:timing>
+</p:sld>
+</file>
+
+<file path=ppt/slides/slide6.xml><?xml version="1.0" encoding="utf-8"?>
+<p:sld xmlns:a="http://schemas.openxmlformats.org/drawingml/2006/main" xmlns:r="http://schemas.openxmlformats.org/officeDocument/2006/relationships" xmlns:p="http://schemas.openxmlformats.org/presentationml/2006/main">
+  <p:cSld>
+    <p:spTree>
+      <p:nvGrpSpPr>
+        <p:cNvPr id="1" name=""/>
+        <p:cNvGrpSpPr/>
+        <p:nvPr/>
+      </p:nvGrpSpPr>
+      <p:grpSpPr>
+        <a:xfrm>
+          <a:off x="0" y="0"/>
+          <a:ext cx="0" cy="0"/>
+          <a:chOff x="0" y="0"/>
+          <a:chExt cx="0" cy="0"/>
+        </a:xfrm>
+      </p:grpSpPr>
+      <p:sp>
+        <p:nvSpPr>
+          <p:cNvPr id="2" name="제목 1"/>
+          <p:cNvSpPr>
+            <a:spLocks noGrp="1"/>
+          </p:cNvSpPr>
+          <p:nvPr>
+            <p:ph type="title"/>
+          </p:nvPr>
+        </p:nvSpPr>
+        <p:spPr/>
+        <p:txBody>
+          <a:bodyPr>
+            <a:normAutofit fontScale="90000"/>
+          </a:bodyPr>
+          <a:lstStyle/>
+          <a:p>
+            <a:r>
+              <a:rPr lang="en-US" altLang="ko-KR" dirty="0"/>
+              <a:t>API(Application Programming </a:t>
+            </a:r>
+            <a:r>
+              <a:rPr lang="en-US" altLang="ko-KR" dirty="0" smtClean="0"/>
+              <a:t>Interface)[2/3]</a:t>
+            </a:r>
+            <a:endParaRPr lang="ko-KR" altLang="en-US" dirty="0"/>
+          </a:p>
+        </p:txBody>
+      </p:sp>
+      <p:sp>
+        <p:nvSpPr>
+          <p:cNvPr id="3" name="내용 개체 틀 2"/>
+          <p:cNvSpPr>
+            <a:spLocks noGrp="1"/>
+          </p:cNvSpPr>
+          <p:nvPr>
+            <p:ph idx="1"/>
+          </p:nvPr>
+        </p:nvSpPr>
+        <p:spPr/>
+        <p:txBody>
+          <a:bodyPr/>
+          <a:lstStyle/>
+          <a:p>
+            <a:r>
+              <a:rPr lang="ko-KR" altLang="en-US" dirty="0" smtClean="0"/>
+              <a:t>데이터 교환 규칙 </a:t>
+            </a:r>
+            <a:r>
+              <a:rPr lang="en-US" altLang="ko-KR" dirty="0" smtClean="0"/>
+              <a:t>: API</a:t>
+            </a:r>
+            <a:r>
+              <a:rPr lang="ko-KR" altLang="en-US" dirty="0" smtClean="0"/>
+              <a:t>하면 </a:t>
+            </a:r>
+            <a:r>
+              <a:rPr lang="ko-KR" altLang="en-US" b="1" u="sng" dirty="0" smtClean="0"/>
+              <a:t>통상적으로 이 것을 의미</a:t>
+            </a:r>
+            <a:endParaRPr lang="en-US" altLang="ko-KR" b="1" u="sng" dirty="0" smtClean="0"/>
+          </a:p>
+          <a:p>
+            <a:pPr lvl="1"/>
+            <a:r>
+              <a:rPr lang="ko-KR" altLang="en-US" sz="1600" dirty="0" smtClean="0"/>
+              <a:t>프로그래밍을 하거나 데이터 분석을 위하여 사용할 수 있는 공개된 데이터</a:t>
+            </a:r>
+            <a:endParaRPr lang="en-US" altLang="ko-KR" sz="1600" dirty="0" smtClean="0"/>
+          </a:p>
+          <a:p>
+            <a:pPr marL="457200" lvl="1" indent="0">
+              <a:buNone/>
+            </a:pPr>
+            <a:r>
+              <a:rPr lang="en-US" altLang="ko-KR" sz="1600" dirty="0"/>
+              <a:t> </a:t>
+            </a:r>
+            <a:r>
+              <a:rPr lang="en-US" altLang="ko-KR" sz="1600" dirty="0" smtClean="0"/>
+              <a:t>   (</a:t>
+            </a:r>
+            <a:r>
+              <a:rPr lang="ko-KR" altLang="en-US" sz="1600" dirty="0" smtClean="0"/>
+              <a:t>단</a:t>
+            </a:r>
+            <a:r>
+              <a:rPr lang="en-US" altLang="ko-KR" sz="1600" dirty="0" smtClean="0"/>
+              <a:t>, </a:t>
+            </a:r>
+            <a:r>
+              <a:rPr lang="ko-KR" altLang="en-US" sz="1600" dirty="0" smtClean="0"/>
+              <a:t>상황에 따라서 일부 사람에게만 공개하거나 일부 데이터만 공개하는 경우도 있음</a:t>
+            </a:r>
+            <a:r>
+              <a:rPr lang="en-US" altLang="ko-KR" sz="1600" dirty="0" smtClean="0"/>
+              <a:t>)</a:t>
+            </a:r>
+            <a:endParaRPr lang="ko-KR" altLang="en-US" dirty="0"/>
+          </a:p>
+        </p:txBody>
+      </p:sp>
+      <p:pic>
+        <p:nvPicPr>
+          <p:cNvPr id="6" name="그림 5"/>
+          <p:cNvPicPr>
+            <a:picLocks noChangeAspect="1"/>
+          </p:cNvPicPr>
+          <p:nvPr/>
+        </p:nvPicPr>
+        <p:blipFill>
+          <a:blip r:embed="rId2"/>
+          <a:stretch>
+            <a:fillRect/>
+          </a:stretch>
+        </p:blipFill>
+        <p:spPr>
+          <a:xfrm>
+            <a:off x="1575395" y="3834534"/>
+            <a:ext cx="5151903" cy="1994679"/>
+          </a:xfrm>
+          <a:prstGeom prst="rect">
+            <a:avLst/>
+          </a:prstGeom>
+        </p:spPr>
+      </p:pic>
+      <p:pic>
+        <p:nvPicPr>
+          <p:cNvPr id="7" name="그림 6"/>
+          <p:cNvPicPr>
+            <a:picLocks noChangeAspect="1"/>
+          </p:cNvPicPr>
+          <p:nvPr/>
+        </p:nvPicPr>
+        <p:blipFill>
+          <a:blip r:embed="rId3"/>
+          <a:stretch>
+            <a:fillRect/>
+          </a:stretch>
+        </p:blipFill>
+        <p:spPr>
+          <a:xfrm>
+            <a:off x="6932647" y="3725065"/>
+            <a:ext cx="3311128" cy="2104148"/>
+          </a:xfrm>
+          <a:prstGeom prst="rect">
+            <a:avLst/>
+          </a:prstGeom>
+        </p:spPr>
+      </p:pic>
+      <p:sp>
+        <p:nvSpPr>
+          <p:cNvPr id="8" name="TextBox 7"/>
+          <p:cNvSpPr txBox="1"/>
+          <p:nvPr/>
+        </p:nvSpPr>
+        <p:spPr>
+          <a:xfrm>
+            <a:off x="3331644" y="5829213"/>
+            <a:ext cx="5256567" cy="338554"/>
+          </a:xfrm>
+          <a:prstGeom prst="rect">
+            <a:avLst/>
+          </a:prstGeom>
+          <a:noFill/>
+        </p:spPr>
+        <p:txBody>
+          <a:bodyPr wrap="none" rtlCol="0">
+            <a:spAutoFit/>
+          </a:bodyPr>
+          <a:lstStyle/>
+          <a:p>
+            <a:r>
+              <a:rPr lang="ko-KR" altLang="en-US" sz="1600" dirty="0" smtClean="0"/>
+              <a:t>기상청 </a:t>
+            </a:r>
+            <a:r>
+              <a:rPr lang="en-US" altLang="ko-KR" sz="1600" dirty="0" err="1" smtClean="0"/>
+              <a:t>api</a:t>
+            </a:r>
+            <a:r>
+              <a:rPr lang="en-US" altLang="ko-KR" sz="1600" dirty="0" smtClean="0"/>
+              <a:t> </a:t>
+            </a:r>
+            <a:r>
+              <a:rPr lang="ko-KR" altLang="en-US" sz="1600" dirty="0" smtClean="0"/>
+              <a:t>및 이를 활용한 옷 추천 프로그램</a:t>
+            </a:r>
+            <a:r>
+              <a:rPr lang="en-US" altLang="ko-KR" sz="1600" dirty="0" smtClean="0"/>
+              <a:t>(</a:t>
+            </a:r>
+            <a:r>
+              <a:rPr lang="ko-KR" altLang="en-US" sz="1600" dirty="0" smtClean="0"/>
+              <a:t>수료생 작품</a:t>
+            </a:r>
+            <a:r>
+              <a:rPr lang="en-US" altLang="ko-KR" sz="1600" dirty="0" smtClean="0"/>
+              <a:t>)</a:t>
+            </a:r>
+            <a:endParaRPr lang="ko-KR" altLang="en-US" sz="1600" dirty="0"/>
+          </a:p>
+        </p:txBody>
+      </p:sp>
+      <p:sp>
+        <p:nvSpPr>
+          <p:cNvPr id="9" name="슬라이드 번호 개체 틀 8"/>
+          <p:cNvSpPr>
+            <a:spLocks noGrp="1"/>
+          </p:cNvSpPr>
+          <p:nvPr>
+            <p:ph type="sldNum" sz="quarter" idx="12"/>
+          </p:nvPr>
+        </p:nvSpPr>
+        <p:spPr/>
+        <p:txBody>
+          <a:bodyPr/>
+          <a:lstStyle/>
+          <a:p>
+            <a:r>
+              <a:rPr lang="en-US" dirty="0"/>
+              <a:t>3</a:t>
+            </a:r>
+            <a:r>
+              <a:rPr lang="en-US" dirty="0" smtClean="0"/>
+              <a:t>/13</a:t>
+            </a:r>
+            <a:endParaRPr lang="en-US" dirty="0"/>
+          </a:p>
+        </p:txBody>
+      </p:sp>
+    </p:spTree>
+    <p:extLst>
+      <p:ext uri="{BB962C8B-B14F-4D97-AF65-F5344CB8AC3E}">
+        <p14:creationId xmlns:p14="http://schemas.microsoft.com/office/powerpoint/2010/main" val="2895101364"/>
+      </p:ext>
+    </p:extLst>
+  </p:cSld>
+  <p:clrMapOvr>
+    <a:masterClrMapping/>
+  </p:clrMapOvr>
+  <p:timing>
+    <p:tnLst>
+      <p:par>
+        <p:cTn id="1" dur="indefinite" restart="never" nodeType="tmRoot"/>
+      </p:par>
+    </p:tnLst>
+  </p:timing>
+</p:sld>
+</file>
+
+<file path=ppt/slides/slide7.xml><?xml version="1.0" encoding="utf-8"?>
+<p:sld xmlns:a="http://schemas.openxmlformats.org/drawingml/2006/main" xmlns:r="http://schemas.openxmlformats.org/officeDocument/2006/relationships" xmlns:p="http://schemas.openxmlformats.org/presentationml/2006/main">
+  <p:cSld>
+    <p:spTree>
+      <p:nvGrpSpPr>
+        <p:cNvPr id="1" name=""/>
+        <p:cNvGrpSpPr/>
+        <p:nvPr/>
+      </p:nvGrpSpPr>
+      <p:grpSpPr>
+        <a:xfrm>
+          <a:off x="0" y="0"/>
+          <a:ext cx="0" cy="0"/>
+          <a:chOff x="0" y="0"/>
+          <a:chExt cx="0" cy="0"/>
+        </a:xfrm>
+      </p:grpSpPr>
+      <p:sp>
+        <p:nvSpPr>
+          <p:cNvPr id="2" name="제목 1"/>
+          <p:cNvSpPr>
+            <a:spLocks noGrp="1"/>
+          </p:cNvSpPr>
+          <p:nvPr>
+            <p:ph type="title"/>
+          </p:nvPr>
+        </p:nvSpPr>
+        <p:spPr/>
+        <p:txBody>
+          <a:bodyPr>
+            <a:normAutofit fontScale="90000"/>
+          </a:bodyPr>
+          <a:lstStyle/>
+          <a:p>
+            <a:r>
+              <a:rPr lang="en-US" altLang="ko-KR" dirty="0"/>
+              <a:t>API(Application Programming </a:t>
+            </a:r>
+            <a:r>
+              <a:rPr lang="en-US" altLang="ko-KR" dirty="0" smtClean="0"/>
+              <a:t>Interface)[3/3]</a:t>
+            </a:r>
+            <a:endParaRPr lang="ko-KR" altLang="en-US" dirty="0"/>
+          </a:p>
+        </p:txBody>
+      </p:sp>
+      <p:sp>
+        <p:nvSpPr>
+          <p:cNvPr id="3" name="내용 개체 틀 2"/>
+          <p:cNvSpPr>
+            <a:spLocks noGrp="1"/>
+          </p:cNvSpPr>
+          <p:nvPr>
+            <p:ph idx="1"/>
+          </p:nvPr>
+        </p:nvSpPr>
+        <p:spPr/>
+        <p:txBody>
+          <a:bodyPr>
+            <a:normAutofit/>
+          </a:bodyPr>
+          <a:lstStyle/>
+          <a:p>
+            <a:pPr lvl="1"/>
+            <a:r>
+              <a:rPr lang="ko-KR" altLang="en-US" sz="2400" dirty="0" smtClean="0"/>
+              <a:t>라이브러리 </a:t>
+            </a:r>
+            <a:r>
+              <a:rPr lang="en-US" altLang="ko-KR" sz="2400" dirty="0" smtClean="0"/>
+              <a:t>: </a:t>
+            </a:r>
+            <a:r>
+              <a:rPr lang="ko-KR" altLang="en-US" sz="2400" dirty="0" smtClean="0"/>
+              <a:t>미리 만들어 둔 코드를 의미하며</a:t>
+            </a:r>
+            <a:r>
+              <a:rPr lang="en-US" altLang="ko-KR" sz="2400" dirty="0" smtClean="0"/>
+              <a:t>, API</a:t>
+            </a:r>
+            <a:r>
+              <a:rPr lang="ko-KR" altLang="en-US" sz="2400" dirty="0" smtClean="0"/>
+              <a:t>와 라이브러리라는 말을 </a:t>
+            </a:r>
+            <a:r>
+              <a:rPr lang="en-US" altLang="ko-KR" sz="2400" dirty="0"/>
+              <a:t> </a:t>
+            </a:r>
+            <a:r>
+              <a:rPr lang="ko-KR" altLang="en-US" sz="2400" dirty="0" smtClean="0"/>
+              <a:t>혼용해서 주로 사용 </a:t>
+            </a:r>
+            <a:r>
+              <a:rPr lang="en-US" altLang="ko-KR" sz="2400" dirty="0" smtClean="0"/>
+              <a:t> (</a:t>
+            </a:r>
+            <a:r>
+              <a:rPr lang="ko-KR" altLang="en-US" sz="2400" dirty="0" smtClean="0"/>
+              <a:t>대표 예시</a:t>
+            </a:r>
+            <a:r>
+              <a:rPr lang="en-US" altLang="ko-KR" sz="2400" dirty="0" smtClean="0"/>
+              <a:t>: Windows API)</a:t>
+            </a:r>
+          </a:p>
+        </p:txBody>
+      </p:sp>
+      <p:pic>
+        <p:nvPicPr>
+          <p:cNvPr id="4" name="그림 3"/>
+          <p:cNvPicPr>
+            <a:picLocks noChangeAspect="1"/>
+          </p:cNvPicPr>
+          <p:nvPr/>
+        </p:nvPicPr>
+        <p:blipFill>
+          <a:blip r:embed="rId3"/>
+          <a:stretch>
+            <a:fillRect/>
+          </a:stretch>
+        </p:blipFill>
+        <p:spPr>
+          <a:xfrm>
+            <a:off x="3021352" y="3361240"/>
+            <a:ext cx="5695136" cy="2785561"/>
+          </a:xfrm>
+          <a:prstGeom prst="rect">
+            <a:avLst/>
+          </a:prstGeom>
+        </p:spPr>
+      </p:pic>
+      <p:sp>
+        <p:nvSpPr>
+          <p:cNvPr id="5" name="슬라이드 번호 개체 틀 4"/>
+          <p:cNvSpPr>
+            <a:spLocks noGrp="1"/>
+          </p:cNvSpPr>
+          <p:nvPr>
+            <p:ph type="sldNum" sz="quarter" idx="12"/>
+          </p:nvPr>
+        </p:nvSpPr>
+        <p:spPr/>
+        <p:txBody>
+          <a:bodyPr/>
+          <a:lstStyle/>
+          <a:p>
+            <a:r>
+              <a:rPr lang="en-US" dirty="0"/>
+              <a:t>4</a:t>
+            </a:r>
+            <a:r>
+              <a:rPr lang="en-US" dirty="0" smtClean="0"/>
+              <a:t>/13</a:t>
+            </a:r>
+            <a:endParaRPr lang="en-US" dirty="0"/>
+          </a:p>
+        </p:txBody>
+      </p:sp>
+    </p:spTree>
+    <p:extLst>
+      <p:ext uri="{BB962C8B-B14F-4D97-AF65-F5344CB8AC3E}">
+        <p14:creationId xmlns:p14="http://schemas.microsoft.com/office/powerpoint/2010/main" val="2281200822"/>
       </p:ext>
     </p:extLst>
   </p:cSld>

--- a/응용애플리케이션구축/API란 무엇인가.pptx
+++ b/응용애플리케이션구축/API란 무엇인가.pptx
@@ -9054,8 +9054,12 @@
           <a:lstStyle/>
           <a:p>
             <a:r>
+              <a:rPr lang="en-US" dirty="0"/>
+              <a:t>2</a:t>
+            </a:r>
+            <a:r>
               <a:rPr lang="en-US" dirty="0" smtClean="0"/>
-              <a:t>5/13</a:t>
+              <a:t>/13</a:t>
             </a:r>
             <a:endParaRPr lang="en-US" dirty="0"/>
           </a:p>
@@ -9311,7 +9315,7 @@
           <a:p>
             <a:r>
               <a:rPr lang="en-US" dirty="0"/>
-              <a:t>6</a:t>
+              <a:t>3</a:t>
             </a:r>
             <a:r>
               <a:rPr lang="en-US" dirty="0" smtClean="0"/>
@@ -9601,7 +9605,7 @@
           <a:p>
             <a:r>
               <a:rPr lang="en-US" dirty="0"/>
-              <a:t>2</a:t>
+              <a:t>4</a:t>
             </a:r>
             <a:r>
               <a:rPr lang="en-US" dirty="0" smtClean="0"/>
@@ -9869,7 +9873,7 @@
           <a:p>
             <a:r>
               <a:rPr lang="en-US" dirty="0"/>
-              <a:t>3</a:t>
+              <a:t>5</a:t>
             </a:r>
             <a:r>
               <a:rPr lang="en-US" dirty="0" smtClean="0"/>
@@ -10047,7 +10051,7 @@
           <a:p>
             <a:r>
               <a:rPr lang="en-US" dirty="0"/>
-              <a:t>4</a:t>
+              <a:t>6</a:t>
             </a:r>
             <a:r>
               <a:rPr lang="en-US" dirty="0" smtClean="0"/>
